--- a/src/restitution/Website Draft.pptx
+++ b/src/restitution/Website Draft.pptx
@@ -105,6 +105,11 @@
       </a:defRPr>
     </a:lvl9pPr>
   </p:defaultTextStyle>
+  <p:extLst>
+    <p:ext uri="{EFAFB233-063F-42B5-8137-9DF3F51BA10A}">
+      <p15:sldGuideLst xmlns:p15="http://schemas.microsoft.com/office/powerpoint/2012/main"/>
+    </p:ext>
+  </p:extLst>
 </p:presentation>
 </file>
 
@@ -257,7 +262,7 @@
           <a:p>
             <a:fld id="{BBB56518-FC5F-4720-9F6E-187469805D3E}" type="datetimeFigureOut">
               <a:rPr lang="en-US" smtClean="0"/>
-              <a:t>3/30/2020</a:t>
+              <a:t>4/4/2020</a:t>
             </a:fld>
             <a:endParaRPr lang="en-US"/>
           </a:p>
@@ -457,7 +462,7 @@
           <a:p>
             <a:fld id="{BBB56518-FC5F-4720-9F6E-187469805D3E}" type="datetimeFigureOut">
               <a:rPr lang="en-US" smtClean="0"/>
-              <a:t>3/30/2020</a:t>
+              <a:t>4/4/2020</a:t>
             </a:fld>
             <a:endParaRPr lang="en-US"/>
           </a:p>
@@ -667,7 +672,7 @@
           <a:p>
             <a:fld id="{BBB56518-FC5F-4720-9F6E-187469805D3E}" type="datetimeFigureOut">
               <a:rPr lang="en-US" smtClean="0"/>
-              <a:t>3/30/2020</a:t>
+              <a:t>4/4/2020</a:t>
             </a:fld>
             <a:endParaRPr lang="en-US"/>
           </a:p>
@@ -867,7 +872,7 @@
           <a:p>
             <a:fld id="{BBB56518-FC5F-4720-9F6E-187469805D3E}" type="datetimeFigureOut">
               <a:rPr lang="en-US" smtClean="0"/>
-              <a:t>3/30/2020</a:t>
+              <a:t>4/4/2020</a:t>
             </a:fld>
             <a:endParaRPr lang="en-US"/>
           </a:p>
@@ -1143,7 +1148,7 @@
           <a:p>
             <a:fld id="{BBB56518-FC5F-4720-9F6E-187469805D3E}" type="datetimeFigureOut">
               <a:rPr lang="en-US" smtClean="0"/>
-              <a:t>3/30/2020</a:t>
+              <a:t>4/4/2020</a:t>
             </a:fld>
             <a:endParaRPr lang="en-US"/>
           </a:p>
@@ -1411,7 +1416,7 @@
           <a:p>
             <a:fld id="{BBB56518-FC5F-4720-9F6E-187469805D3E}" type="datetimeFigureOut">
               <a:rPr lang="en-US" smtClean="0"/>
-              <a:t>3/30/2020</a:t>
+              <a:t>4/4/2020</a:t>
             </a:fld>
             <a:endParaRPr lang="en-US"/>
           </a:p>
@@ -1826,7 +1831,7 @@
           <a:p>
             <a:fld id="{BBB56518-FC5F-4720-9F6E-187469805D3E}" type="datetimeFigureOut">
               <a:rPr lang="en-US" smtClean="0"/>
-              <a:t>3/30/2020</a:t>
+              <a:t>4/4/2020</a:t>
             </a:fld>
             <a:endParaRPr lang="en-US"/>
           </a:p>
@@ -1968,7 +1973,7 @@
           <a:p>
             <a:fld id="{BBB56518-FC5F-4720-9F6E-187469805D3E}" type="datetimeFigureOut">
               <a:rPr lang="en-US" smtClean="0"/>
-              <a:t>3/30/2020</a:t>
+              <a:t>4/4/2020</a:t>
             </a:fld>
             <a:endParaRPr lang="en-US"/>
           </a:p>
@@ -2081,7 +2086,7 @@
           <a:p>
             <a:fld id="{BBB56518-FC5F-4720-9F6E-187469805D3E}" type="datetimeFigureOut">
               <a:rPr lang="en-US" smtClean="0"/>
-              <a:t>3/30/2020</a:t>
+              <a:t>4/4/2020</a:t>
             </a:fld>
             <a:endParaRPr lang="en-US"/>
           </a:p>
@@ -2394,7 +2399,7 @@
           <a:p>
             <a:fld id="{BBB56518-FC5F-4720-9F6E-187469805D3E}" type="datetimeFigureOut">
               <a:rPr lang="en-US" smtClean="0"/>
-              <a:t>3/30/2020</a:t>
+              <a:t>4/4/2020</a:t>
             </a:fld>
             <a:endParaRPr lang="en-US"/>
           </a:p>
@@ -2683,7 +2688,7 @@
           <a:p>
             <a:fld id="{BBB56518-FC5F-4720-9F6E-187469805D3E}" type="datetimeFigureOut">
               <a:rPr lang="en-US" smtClean="0"/>
-              <a:t>3/30/2020</a:t>
+              <a:t>4/4/2020</a:t>
             </a:fld>
             <a:endParaRPr lang="en-US"/>
           </a:p>
@@ -2926,7 +2931,7 @@
           <a:p>
             <a:fld id="{BBB56518-FC5F-4720-9F6E-187469805D3E}" type="datetimeFigureOut">
               <a:rPr lang="en-US" smtClean="0"/>
-              <a:t>3/30/2020</a:t>
+              <a:t>4/4/2020</a:t>
             </a:fld>
             <a:endParaRPr lang="en-US"/>
           </a:p>
@@ -4342,7 +4347,7 @@
         <p:spPr>
           <a:xfrm>
             <a:off x="7218643" y="238037"/>
-            <a:ext cx="1886222" cy="923330"/>
+            <a:ext cx="1853456" cy="369332"/>
           </a:xfrm>
           <a:prstGeom prst="rect">
             <a:avLst/>
@@ -4363,30 +4368,6 @@
               <a:t>Energie</a:t>
             </a:r>
             <a:endParaRPr lang="en-US" dirty="0"/>
-          </a:p>
-          <a:p>
-            <a:r>
-              <a:rPr lang="en-US" dirty="0" err="1"/>
-              <a:t>Nb</a:t>
-            </a:r>
-            <a:r>
-              <a:rPr lang="en-US" dirty="0"/>
-              <a:t> </a:t>
-            </a:r>
-            <a:r>
-              <a:rPr lang="en-US" dirty="0" err="1"/>
-              <a:t>employés</a:t>
-            </a:r>
-            <a:r>
-              <a:rPr lang="en-US" dirty="0"/>
-              <a:t>: XXX</a:t>
-            </a:r>
-          </a:p>
-          <a:p>
-            <a:r>
-              <a:rPr lang="en-US" dirty="0"/>
-              <a:t>CA: XXX</a:t>
-            </a:r>
           </a:p>
         </p:txBody>
       </p:sp>

--- a/src/restitution/Website Draft.pptx
+++ b/src/restitution/Website Draft.pptx
@@ -7,6 +7,7 @@
   <p:sldIdLst>
     <p:sldId id="258" r:id="rId2"/>
     <p:sldId id="257" r:id="rId3"/>
+    <p:sldId id="260" r:id="rId4"/>
   </p:sldIdLst>
   <p:sldSz cx="12192000" cy="6858000"/>
   <p:notesSz cx="6858000" cy="9144000"/>
@@ -262,7 +263,7 @@
           <a:p>
             <a:fld id="{BBB56518-FC5F-4720-9F6E-187469805D3E}" type="datetimeFigureOut">
               <a:rPr lang="en-US" smtClean="0"/>
-              <a:t>4/4/2020</a:t>
+              <a:t>4/8/2020</a:t>
             </a:fld>
             <a:endParaRPr lang="en-US"/>
           </a:p>
@@ -462,7 +463,7 @@
           <a:p>
             <a:fld id="{BBB56518-FC5F-4720-9F6E-187469805D3E}" type="datetimeFigureOut">
               <a:rPr lang="en-US" smtClean="0"/>
-              <a:t>4/4/2020</a:t>
+              <a:t>4/8/2020</a:t>
             </a:fld>
             <a:endParaRPr lang="en-US"/>
           </a:p>
@@ -672,7 +673,7 @@
           <a:p>
             <a:fld id="{BBB56518-FC5F-4720-9F6E-187469805D3E}" type="datetimeFigureOut">
               <a:rPr lang="en-US" smtClean="0"/>
-              <a:t>4/4/2020</a:t>
+              <a:t>4/8/2020</a:t>
             </a:fld>
             <a:endParaRPr lang="en-US"/>
           </a:p>
@@ -872,7 +873,7 @@
           <a:p>
             <a:fld id="{BBB56518-FC5F-4720-9F6E-187469805D3E}" type="datetimeFigureOut">
               <a:rPr lang="en-US" smtClean="0"/>
-              <a:t>4/4/2020</a:t>
+              <a:t>4/8/2020</a:t>
             </a:fld>
             <a:endParaRPr lang="en-US"/>
           </a:p>
@@ -1148,7 +1149,7 @@
           <a:p>
             <a:fld id="{BBB56518-FC5F-4720-9F6E-187469805D3E}" type="datetimeFigureOut">
               <a:rPr lang="en-US" smtClean="0"/>
-              <a:t>4/4/2020</a:t>
+              <a:t>4/8/2020</a:t>
             </a:fld>
             <a:endParaRPr lang="en-US"/>
           </a:p>
@@ -1416,7 +1417,7 @@
           <a:p>
             <a:fld id="{BBB56518-FC5F-4720-9F6E-187469805D3E}" type="datetimeFigureOut">
               <a:rPr lang="en-US" smtClean="0"/>
-              <a:t>4/4/2020</a:t>
+              <a:t>4/8/2020</a:t>
             </a:fld>
             <a:endParaRPr lang="en-US"/>
           </a:p>
@@ -1831,7 +1832,7 @@
           <a:p>
             <a:fld id="{BBB56518-FC5F-4720-9F6E-187469805D3E}" type="datetimeFigureOut">
               <a:rPr lang="en-US" smtClean="0"/>
-              <a:t>4/4/2020</a:t>
+              <a:t>4/8/2020</a:t>
             </a:fld>
             <a:endParaRPr lang="en-US"/>
           </a:p>
@@ -1973,7 +1974,7 @@
           <a:p>
             <a:fld id="{BBB56518-FC5F-4720-9F6E-187469805D3E}" type="datetimeFigureOut">
               <a:rPr lang="en-US" smtClean="0"/>
-              <a:t>4/4/2020</a:t>
+              <a:t>4/8/2020</a:t>
             </a:fld>
             <a:endParaRPr lang="en-US"/>
           </a:p>
@@ -2086,7 +2087,7 @@
           <a:p>
             <a:fld id="{BBB56518-FC5F-4720-9F6E-187469805D3E}" type="datetimeFigureOut">
               <a:rPr lang="en-US" smtClean="0"/>
-              <a:t>4/4/2020</a:t>
+              <a:t>4/8/2020</a:t>
             </a:fld>
             <a:endParaRPr lang="en-US"/>
           </a:p>
@@ -2399,7 +2400,7 @@
           <a:p>
             <a:fld id="{BBB56518-FC5F-4720-9F6E-187469805D3E}" type="datetimeFigureOut">
               <a:rPr lang="en-US" smtClean="0"/>
-              <a:t>4/4/2020</a:t>
+              <a:t>4/8/2020</a:t>
             </a:fld>
             <a:endParaRPr lang="en-US"/>
           </a:p>
@@ -2688,7 +2689,7 @@
           <a:p>
             <a:fld id="{BBB56518-FC5F-4720-9F6E-187469805D3E}" type="datetimeFigureOut">
               <a:rPr lang="en-US" smtClean="0"/>
-              <a:t>4/4/2020</a:t>
+              <a:t>4/8/2020</a:t>
             </a:fld>
             <a:endParaRPr lang="en-US"/>
           </a:p>
@@ -2931,7 +2932,7 @@
           <a:p>
             <a:fld id="{BBB56518-FC5F-4720-9F6E-187469805D3E}" type="datetimeFigureOut">
               <a:rPr lang="en-US" smtClean="0"/>
-              <a:t>4/4/2020</a:t>
+              <a:t>4/8/2020</a:t>
             </a:fld>
             <a:endParaRPr lang="en-US"/>
           </a:p>
@@ -3350,257 +3351,6 @@
       </p:grpSpPr>
       <p:sp>
         <p:nvSpPr>
-          <p:cNvPr id="4" name="Rectangle 3">
-            <a:extLst>
-              <a:ext uri="{FF2B5EF4-FFF2-40B4-BE49-F238E27FC236}">
-                <a16:creationId xmlns:a16="http://schemas.microsoft.com/office/drawing/2014/main" id="{B93961B4-EAA3-48A8-9845-F98FBBEC24CF}"/>
-              </a:ext>
-            </a:extLst>
-          </p:cNvPr>
-          <p:cNvSpPr/>
-          <p:nvPr/>
-        </p:nvSpPr>
-        <p:spPr>
-          <a:xfrm>
-            <a:off x="0" y="0"/>
-            <a:ext cx="2545237" cy="6858000"/>
-          </a:xfrm>
-          <a:prstGeom prst="rect">
-            <a:avLst/>
-          </a:prstGeom>
-        </p:spPr>
-        <p:style>
-          <a:lnRef idx="2">
-            <a:schemeClr val="accent1">
-              <a:shade val="50000"/>
-            </a:schemeClr>
-          </a:lnRef>
-          <a:fillRef idx="1">
-            <a:schemeClr val="accent1"/>
-          </a:fillRef>
-          <a:effectRef idx="0">
-            <a:schemeClr val="accent1"/>
-          </a:effectRef>
-          <a:fontRef idx="minor">
-            <a:schemeClr val="lt1"/>
-          </a:fontRef>
-        </p:style>
-        <p:txBody>
-          <a:bodyPr rtlCol="0" anchor="ctr"/>
-          <a:lstStyle/>
-          <a:p>
-            <a:pPr algn="ctr"/>
-            <a:endParaRPr lang="en-US"/>
-          </a:p>
-        </p:txBody>
-      </p:sp>
-      <p:sp>
-        <p:nvSpPr>
-          <p:cNvPr id="5" name="Rectangle 4">
-            <a:extLst>
-              <a:ext uri="{FF2B5EF4-FFF2-40B4-BE49-F238E27FC236}">
-                <a16:creationId xmlns:a16="http://schemas.microsoft.com/office/drawing/2014/main" id="{89F7C639-3331-45E4-9425-0011028DEE58}"/>
-              </a:ext>
-            </a:extLst>
-          </p:cNvPr>
-          <p:cNvSpPr/>
-          <p:nvPr/>
-        </p:nvSpPr>
-        <p:spPr>
-          <a:xfrm>
-            <a:off x="77763" y="1190114"/>
-            <a:ext cx="2392837" cy="2400693"/>
-          </a:xfrm>
-          <a:prstGeom prst="rect">
-            <a:avLst/>
-          </a:prstGeom>
-          <a:solidFill>
-            <a:schemeClr val="bg1">
-              <a:lumMod val="85000"/>
-            </a:schemeClr>
-          </a:solidFill>
-        </p:spPr>
-        <p:style>
-          <a:lnRef idx="2">
-            <a:schemeClr val="accent1">
-              <a:shade val="50000"/>
-            </a:schemeClr>
-          </a:lnRef>
-          <a:fillRef idx="1">
-            <a:schemeClr val="accent1"/>
-          </a:fillRef>
-          <a:effectRef idx="0">
-            <a:schemeClr val="accent1"/>
-          </a:effectRef>
-          <a:fontRef idx="minor">
-            <a:schemeClr val="lt1"/>
-          </a:fontRef>
-        </p:style>
-        <p:txBody>
-          <a:bodyPr rtlCol="0" anchor="ctr"/>
-          <a:lstStyle/>
-          <a:p>
-            <a:pPr algn="ctr"/>
-            <a:endParaRPr lang="en-US"/>
-          </a:p>
-        </p:txBody>
-      </p:sp>
-      <p:sp>
-        <p:nvSpPr>
-          <p:cNvPr id="6" name="ZoneTexte 5">
-            <a:extLst>
-              <a:ext uri="{FF2B5EF4-FFF2-40B4-BE49-F238E27FC236}">
-                <a16:creationId xmlns:a16="http://schemas.microsoft.com/office/drawing/2014/main" id="{62110814-CB04-4854-B4A7-FECC312B401B}"/>
-              </a:ext>
-            </a:extLst>
-          </p:cNvPr>
-          <p:cNvSpPr txBox="1"/>
-          <p:nvPr/>
-        </p:nvSpPr>
-        <p:spPr>
-          <a:xfrm>
-            <a:off x="125868" y="1350371"/>
-            <a:ext cx="2335465" cy="369332"/>
-          </a:xfrm>
-          <a:prstGeom prst="rect">
-            <a:avLst/>
-          </a:prstGeom>
-          <a:solidFill>
-            <a:schemeClr val="bg1"/>
-          </a:solidFill>
-        </p:spPr>
-        <p:txBody>
-          <a:bodyPr wrap="square" rtlCol="0">
-            <a:spAutoFit/>
-          </a:bodyPr>
-          <a:lstStyle/>
-          <a:p>
-            <a:r>
-              <a:rPr lang="en-US" dirty="0" err="1"/>
-              <a:t>Rechercher</a:t>
-            </a:r>
-            <a:r>
-              <a:rPr lang="en-US" dirty="0"/>
-              <a:t> un DPEF…</a:t>
-            </a:r>
-          </a:p>
-        </p:txBody>
-      </p:sp>
-      <p:sp>
-        <p:nvSpPr>
-          <p:cNvPr id="7" name="Rectangle 6">
-            <a:extLst>
-              <a:ext uri="{FF2B5EF4-FFF2-40B4-BE49-F238E27FC236}">
-                <a16:creationId xmlns:a16="http://schemas.microsoft.com/office/drawing/2014/main" id="{D0E2BB16-4B45-49B2-A37C-C78F9109260E}"/>
-              </a:ext>
-            </a:extLst>
-          </p:cNvPr>
-          <p:cNvSpPr/>
-          <p:nvPr/>
-        </p:nvSpPr>
-        <p:spPr>
-          <a:xfrm>
-            <a:off x="81256" y="4806824"/>
-            <a:ext cx="1686231" cy="369332"/>
-          </a:xfrm>
-          <a:prstGeom prst="rect">
-            <a:avLst/>
-          </a:prstGeom>
-          <a:solidFill>
-            <a:schemeClr val="bg1"/>
-          </a:solidFill>
-        </p:spPr>
-        <p:txBody>
-          <a:bodyPr wrap="square" rtlCol="0">
-            <a:spAutoFit/>
-          </a:bodyPr>
-          <a:lstStyle/>
-          <a:p>
-            <a:r>
-              <a:rPr lang="en-US" dirty="0" err="1"/>
-              <a:t>Téléchargement</a:t>
-            </a:r>
-            <a:endParaRPr lang="en-US" dirty="0"/>
-          </a:p>
-        </p:txBody>
-      </p:sp>
-      <p:sp>
-        <p:nvSpPr>
-          <p:cNvPr id="8" name="Rectangle 7">
-            <a:extLst>
-              <a:ext uri="{FF2B5EF4-FFF2-40B4-BE49-F238E27FC236}">
-                <a16:creationId xmlns:a16="http://schemas.microsoft.com/office/drawing/2014/main" id="{CAE5BD92-526B-48CE-8881-24E2D875413E}"/>
-              </a:ext>
-            </a:extLst>
-          </p:cNvPr>
-          <p:cNvSpPr/>
-          <p:nvPr/>
-        </p:nvSpPr>
-        <p:spPr>
-          <a:xfrm>
-            <a:off x="125868" y="322446"/>
-            <a:ext cx="1686231" cy="369332"/>
-          </a:xfrm>
-          <a:prstGeom prst="rect">
-            <a:avLst/>
-          </a:prstGeom>
-          <a:solidFill>
-            <a:schemeClr val="bg1"/>
-          </a:solidFill>
-        </p:spPr>
-        <p:txBody>
-          <a:bodyPr wrap="square" rtlCol="0">
-            <a:spAutoFit/>
-          </a:bodyPr>
-          <a:lstStyle/>
-          <a:p>
-            <a:r>
-              <a:rPr lang="en-US" dirty="0" err="1"/>
-              <a:t>Accueil</a:t>
-            </a:r>
-            <a:endParaRPr lang="en-US" dirty="0"/>
-          </a:p>
-        </p:txBody>
-      </p:sp>
-      <p:sp>
-        <p:nvSpPr>
-          <p:cNvPr id="9" name="Rectangle 8">
-            <a:extLst>
-              <a:ext uri="{FF2B5EF4-FFF2-40B4-BE49-F238E27FC236}">
-                <a16:creationId xmlns:a16="http://schemas.microsoft.com/office/drawing/2014/main" id="{E8DD32AB-D5AB-4320-A4C7-2CDAA0BC9589}"/>
-              </a:ext>
-            </a:extLst>
-          </p:cNvPr>
-          <p:cNvSpPr/>
-          <p:nvPr/>
-        </p:nvSpPr>
-        <p:spPr>
-          <a:xfrm>
-            <a:off x="81256" y="3798847"/>
-            <a:ext cx="1686231" cy="369332"/>
-          </a:xfrm>
-          <a:prstGeom prst="rect">
-            <a:avLst/>
-          </a:prstGeom>
-          <a:solidFill>
-            <a:schemeClr val="bg1"/>
-          </a:solidFill>
-        </p:spPr>
-        <p:txBody>
-          <a:bodyPr wrap="square" rtlCol="0">
-            <a:spAutoFit/>
-          </a:bodyPr>
-          <a:lstStyle/>
-          <a:p>
-            <a:r>
-              <a:rPr lang="en-US" dirty="0"/>
-              <a:t>Par horizon:</a:t>
-            </a:r>
-          </a:p>
-        </p:txBody>
-      </p:sp>
-      <p:sp>
-        <p:nvSpPr>
           <p:cNvPr id="10" name="ZoneTexte 9">
             <a:extLst>
               <a:ext uri="{FF2B5EF4-FFF2-40B4-BE49-F238E27FC236}">
@@ -3788,7 +3538,10 @@
               <a:rPr lang="en-US" sz="2400" dirty="0" err="1"/>
               <a:t>entreprises</a:t>
             </a:r>
-            <a:endParaRPr lang="en-US" sz="2400" dirty="0"/>
+            <a:r>
+              <a:rPr lang="en-US" sz="2400" dirty="0"/>
+              <a:t>:</a:t>
+            </a:r>
           </a:p>
         </p:txBody>
       </p:sp>
@@ -3900,7 +3653,7 @@
         </p:nvSpPr>
         <p:spPr>
           <a:xfrm>
-            <a:off x="5534471" y="1316285"/>
+            <a:off x="5865169" y="1316285"/>
             <a:ext cx="2402898" cy="1738000"/>
           </a:xfrm>
           <a:prstGeom prst="rect">
@@ -3972,7 +3725,7 @@
         </p:nvSpPr>
         <p:spPr>
           <a:xfrm>
-            <a:off x="8561235" y="1316285"/>
+            <a:off x="8891933" y="1316285"/>
             <a:ext cx="2402898" cy="1738000"/>
           </a:xfrm>
           <a:prstGeom prst="rect">
@@ -4025,6 +3778,363 @@
             <a:endParaRPr lang="en-US" dirty="0">
               <a:solidFill>
                 <a:srgbClr val="FF0000"/>
+              </a:solidFill>
+            </a:endParaRPr>
+          </a:p>
+        </p:txBody>
+      </p:sp>
+      <p:sp>
+        <p:nvSpPr>
+          <p:cNvPr id="17" name="Rectangle 16">
+            <a:extLst>
+              <a:ext uri="{FF2B5EF4-FFF2-40B4-BE49-F238E27FC236}">
+                <a16:creationId xmlns:a16="http://schemas.microsoft.com/office/drawing/2014/main" id="{23FF5682-6FA7-4E39-A088-56D2F5DFF1A2}"/>
+              </a:ext>
+            </a:extLst>
+          </p:cNvPr>
+          <p:cNvSpPr/>
+          <p:nvPr/>
+        </p:nvSpPr>
+        <p:spPr>
+          <a:xfrm>
+            <a:off x="0" y="0"/>
+            <a:ext cx="2545237" cy="6858000"/>
+          </a:xfrm>
+          <a:prstGeom prst="rect">
+            <a:avLst/>
+          </a:prstGeom>
+        </p:spPr>
+        <p:style>
+          <a:lnRef idx="2">
+            <a:schemeClr val="accent1">
+              <a:shade val="50000"/>
+            </a:schemeClr>
+          </a:lnRef>
+          <a:fillRef idx="1">
+            <a:schemeClr val="accent1"/>
+          </a:fillRef>
+          <a:effectRef idx="0">
+            <a:schemeClr val="accent1"/>
+          </a:effectRef>
+          <a:fontRef idx="minor">
+            <a:schemeClr val="lt1"/>
+          </a:fontRef>
+        </p:style>
+        <p:txBody>
+          <a:bodyPr rtlCol="0" anchor="ctr"/>
+          <a:lstStyle/>
+          <a:p>
+            <a:pPr algn="ctr"/>
+            <a:endParaRPr lang="en-US"/>
+          </a:p>
+        </p:txBody>
+      </p:sp>
+      <p:sp>
+        <p:nvSpPr>
+          <p:cNvPr id="18" name="Rectangle 17">
+            <a:extLst>
+              <a:ext uri="{FF2B5EF4-FFF2-40B4-BE49-F238E27FC236}">
+                <a16:creationId xmlns:a16="http://schemas.microsoft.com/office/drawing/2014/main" id="{DC12389B-D9C6-4BD1-8735-8CB39DDD4D7F}"/>
+              </a:ext>
+            </a:extLst>
+          </p:cNvPr>
+          <p:cNvSpPr/>
+          <p:nvPr/>
+        </p:nvSpPr>
+        <p:spPr>
+          <a:xfrm>
+            <a:off x="77763" y="1190114"/>
+            <a:ext cx="2392837" cy="2400693"/>
+          </a:xfrm>
+          <a:prstGeom prst="rect">
+            <a:avLst/>
+          </a:prstGeom>
+          <a:solidFill>
+            <a:schemeClr val="bg1">
+              <a:lumMod val="85000"/>
+            </a:schemeClr>
+          </a:solidFill>
+        </p:spPr>
+        <p:style>
+          <a:lnRef idx="2">
+            <a:schemeClr val="accent1">
+              <a:shade val="50000"/>
+            </a:schemeClr>
+          </a:lnRef>
+          <a:fillRef idx="1">
+            <a:schemeClr val="accent1"/>
+          </a:fillRef>
+          <a:effectRef idx="0">
+            <a:schemeClr val="accent1"/>
+          </a:effectRef>
+          <a:fontRef idx="minor">
+            <a:schemeClr val="lt1"/>
+          </a:fontRef>
+        </p:style>
+        <p:txBody>
+          <a:bodyPr rtlCol="0" anchor="ctr"/>
+          <a:lstStyle/>
+          <a:p>
+            <a:pPr algn="ctr"/>
+            <a:endParaRPr lang="en-US"/>
+          </a:p>
+        </p:txBody>
+      </p:sp>
+      <p:sp>
+        <p:nvSpPr>
+          <p:cNvPr id="19" name="ZoneTexte 18">
+            <a:extLst>
+              <a:ext uri="{FF2B5EF4-FFF2-40B4-BE49-F238E27FC236}">
+                <a16:creationId xmlns:a16="http://schemas.microsoft.com/office/drawing/2014/main" id="{59888116-D083-474E-A43F-8B3AF7C0711D}"/>
+              </a:ext>
+            </a:extLst>
+          </p:cNvPr>
+          <p:cNvSpPr txBox="1"/>
+          <p:nvPr/>
+        </p:nvSpPr>
+        <p:spPr>
+          <a:xfrm>
+            <a:off x="125868" y="1350371"/>
+            <a:ext cx="2335465" cy="369332"/>
+          </a:xfrm>
+          <a:prstGeom prst="rect">
+            <a:avLst/>
+          </a:prstGeom>
+          <a:solidFill>
+            <a:schemeClr val="bg1"/>
+          </a:solidFill>
+        </p:spPr>
+        <p:txBody>
+          <a:bodyPr wrap="square" rtlCol="0">
+            <a:spAutoFit/>
+          </a:bodyPr>
+          <a:lstStyle/>
+          <a:p>
+            <a:r>
+              <a:rPr lang="en-US" dirty="0" err="1"/>
+              <a:t>Rechercher</a:t>
+            </a:r>
+            <a:r>
+              <a:rPr lang="en-US" dirty="0"/>
+              <a:t> </a:t>
+            </a:r>
+            <a:r>
+              <a:rPr lang="en-US" dirty="0" err="1"/>
+              <a:t>une</a:t>
+            </a:r>
+            <a:r>
+              <a:rPr lang="en-US" dirty="0"/>
+              <a:t> DPEF…</a:t>
+            </a:r>
+          </a:p>
+        </p:txBody>
+      </p:sp>
+      <p:sp>
+        <p:nvSpPr>
+          <p:cNvPr id="20" name="Rectangle 19">
+            <a:extLst>
+              <a:ext uri="{FF2B5EF4-FFF2-40B4-BE49-F238E27FC236}">
+                <a16:creationId xmlns:a16="http://schemas.microsoft.com/office/drawing/2014/main" id="{FF2A958B-94AE-4A28-815B-05E4429FB0F9}"/>
+              </a:ext>
+            </a:extLst>
+          </p:cNvPr>
+          <p:cNvSpPr/>
+          <p:nvPr/>
+        </p:nvSpPr>
+        <p:spPr>
+          <a:xfrm>
+            <a:off x="125868" y="322446"/>
+            <a:ext cx="1686231" cy="369332"/>
+          </a:xfrm>
+          <a:prstGeom prst="rect">
+            <a:avLst/>
+          </a:prstGeom>
+          <a:solidFill>
+            <a:schemeClr val="bg1"/>
+          </a:solidFill>
+        </p:spPr>
+        <p:txBody>
+          <a:bodyPr wrap="square" rtlCol="0">
+            <a:spAutoFit/>
+          </a:bodyPr>
+          <a:lstStyle/>
+          <a:p>
+            <a:r>
+              <a:rPr lang="en-US" dirty="0" err="1"/>
+              <a:t>Accueil</a:t>
+            </a:r>
+            <a:endParaRPr lang="en-US" dirty="0"/>
+          </a:p>
+        </p:txBody>
+      </p:sp>
+      <p:sp>
+        <p:nvSpPr>
+          <p:cNvPr id="21" name="Rectangle 20">
+            <a:extLst>
+              <a:ext uri="{FF2B5EF4-FFF2-40B4-BE49-F238E27FC236}">
+                <a16:creationId xmlns:a16="http://schemas.microsoft.com/office/drawing/2014/main" id="{39F173EC-1E63-4D9F-9A59-05CC9E07CE64}"/>
+              </a:ext>
+            </a:extLst>
+          </p:cNvPr>
+          <p:cNvSpPr/>
+          <p:nvPr/>
+        </p:nvSpPr>
+        <p:spPr>
+          <a:xfrm>
+            <a:off x="81256" y="3751064"/>
+            <a:ext cx="2389344" cy="369332"/>
+          </a:xfrm>
+          <a:prstGeom prst="rect">
+            <a:avLst/>
+          </a:prstGeom>
+          <a:solidFill>
+            <a:schemeClr val="bg1"/>
+          </a:solidFill>
+        </p:spPr>
+        <p:txBody>
+          <a:bodyPr wrap="square" rtlCol="0">
+            <a:spAutoFit/>
+          </a:bodyPr>
+          <a:lstStyle/>
+          <a:p>
+            <a:r>
+              <a:rPr lang="en-US" dirty="0" err="1"/>
+              <a:t>Interroger</a:t>
+            </a:r>
+            <a:r>
+              <a:rPr lang="en-US" dirty="0"/>
+              <a:t> les DPEF</a:t>
+            </a:r>
+          </a:p>
+        </p:txBody>
+      </p:sp>
+      <p:sp>
+        <p:nvSpPr>
+          <p:cNvPr id="22" name="Rectangle 21">
+            <a:extLst>
+              <a:ext uri="{FF2B5EF4-FFF2-40B4-BE49-F238E27FC236}">
+                <a16:creationId xmlns:a16="http://schemas.microsoft.com/office/drawing/2014/main" id="{56350C06-9610-4E77-AB60-FACF6663C9B6}"/>
+              </a:ext>
+            </a:extLst>
+          </p:cNvPr>
+          <p:cNvSpPr/>
+          <p:nvPr/>
+        </p:nvSpPr>
+        <p:spPr>
+          <a:xfrm>
+            <a:off x="77763" y="5712993"/>
+            <a:ext cx="2109625" cy="369332"/>
+          </a:xfrm>
+          <a:prstGeom prst="rect">
+            <a:avLst/>
+          </a:prstGeom>
+          <a:solidFill>
+            <a:schemeClr val="bg1"/>
+          </a:solidFill>
+        </p:spPr>
+        <p:txBody>
+          <a:bodyPr wrap="square" rtlCol="0">
+            <a:spAutoFit/>
+          </a:bodyPr>
+          <a:lstStyle/>
+          <a:p>
+            <a:r>
+              <a:rPr lang="en-US" dirty="0" err="1"/>
+              <a:t>Téléchargements</a:t>
+            </a:r>
+            <a:endParaRPr lang="en-US" dirty="0"/>
+          </a:p>
+        </p:txBody>
+      </p:sp>
+      <p:sp>
+        <p:nvSpPr>
+          <p:cNvPr id="23" name="Rectangle 22">
+            <a:extLst>
+              <a:ext uri="{FF2B5EF4-FFF2-40B4-BE49-F238E27FC236}">
+                <a16:creationId xmlns:a16="http://schemas.microsoft.com/office/drawing/2014/main" id="{30B3D7E6-1288-434D-B45A-C6F7692A887B}"/>
+              </a:ext>
+            </a:extLst>
+          </p:cNvPr>
+          <p:cNvSpPr/>
+          <p:nvPr/>
+        </p:nvSpPr>
+        <p:spPr>
+          <a:xfrm>
+            <a:off x="77763" y="6196263"/>
+            <a:ext cx="2109625" cy="369332"/>
+          </a:xfrm>
+          <a:prstGeom prst="rect">
+            <a:avLst/>
+          </a:prstGeom>
+          <a:solidFill>
+            <a:schemeClr val="bg1"/>
+          </a:solidFill>
+        </p:spPr>
+        <p:txBody>
+          <a:bodyPr wrap="square" rtlCol="0">
+            <a:spAutoFit/>
+          </a:bodyPr>
+          <a:lstStyle/>
+          <a:p>
+            <a:r>
+              <a:rPr lang="en-US" dirty="0" err="1"/>
+              <a:t>Méthodes</a:t>
+            </a:r>
+            <a:endParaRPr lang="en-US" dirty="0"/>
+          </a:p>
+        </p:txBody>
+      </p:sp>
+      <p:sp>
+        <p:nvSpPr>
+          <p:cNvPr id="3" name="Flèche : chevron 2">
+            <a:extLst>
+              <a:ext uri="{FF2B5EF4-FFF2-40B4-BE49-F238E27FC236}">
+                <a16:creationId xmlns:a16="http://schemas.microsoft.com/office/drawing/2014/main" id="{B919172C-150F-464D-803D-40F2FC887473}"/>
+              </a:ext>
+            </a:extLst>
+          </p:cNvPr>
+          <p:cNvSpPr/>
+          <p:nvPr/>
+        </p:nvSpPr>
+        <p:spPr>
+          <a:xfrm>
+            <a:off x="14829" y="254522"/>
+            <a:ext cx="125868" cy="521153"/>
+          </a:xfrm>
+          <a:prstGeom prst="chevron">
+            <a:avLst/>
+          </a:prstGeom>
+          <a:solidFill>
+            <a:srgbClr val="FF0000"/>
+          </a:solidFill>
+          <a:ln>
+            <a:noFill/>
+          </a:ln>
+        </p:spPr>
+        <p:style>
+          <a:lnRef idx="2">
+            <a:schemeClr val="accent1">
+              <a:shade val="50000"/>
+            </a:schemeClr>
+          </a:lnRef>
+          <a:fillRef idx="1">
+            <a:schemeClr val="accent1"/>
+          </a:fillRef>
+          <a:effectRef idx="0">
+            <a:schemeClr val="accent1"/>
+          </a:effectRef>
+          <a:fontRef idx="minor">
+            <a:schemeClr val="lt1"/>
+          </a:fontRef>
+        </p:style>
+        <p:txBody>
+          <a:bodyPr rtlCol="0" anchor="ctr"/>
+          <a:lstStyle/>
+          <a:p>
+            <a:pPr algn="ctr"/>
+            <a:endParaRPr lang="en-US">
+              <a:solidFill>
+                <a:schemeClr val="tx1"/>
               </a:solidFill>
             </a:endParaRPr>
           </a:p>
@@ -4108,98 +4218,6 @@
       </p:sp>
       <p:sp>
         <p:nvSpPr>
-          <p:cNvPr id="6" name="Rectangle 5">
-            <a:extLst>
-              <a:ext uri="{FF2B5EF4-FFF2-40B4-BE49-F238E27FC236}">
-                <a16:creationId xmlns:a16="http://schemas.microsoft.com/office/drawing/2014/main" id="{91CBD9BB-CD2F-4E79-A95E-76B80191667B}"/>
-              </a:ext>
-            </a:extLst>
-          </p:cNvPr>
-          <p:cNvSpPr/>
-          <p:nvPr/>
-        </p:nvSpPr>
-        <p:spPr>
-          <a:xfrm>
-            <a:off x="77763" y="1190114"/>
-            <a:ext cx="2392837" cy="2400693"/>
-          </a:xfrm>
-          <a:prstGeom prst="rect">
-            <a:avLst/>
-          </a:prstGeom>
-          <a:solidFill>
-            <a:schemeClr val="bg1">
-              <a:lumMod val="85000"/>
-            </a:schemeClr>
-          </a:solidFill>
-        </p:spPr>
-        <p:style>
-          <a:lnRef idx="2">
-            <a:schemeClr val="accent1">
-              <a:shade val="50000"/>
-            </a:schemeClr>
-          </a:lnRef>
-          <a:fillRef idx="1">
-            <a:schemeClr val="accent1"/>
-          </a:fillRef>
-          <a:effectRef idx="0">
-            <a:schemeClr val="accent1"/>
-          </a:effectRef>
-          <a:fontRef idx="minor">
-            <a:schemeClr val="lt1"/>
-          </a:fontRef>
-        </p:style>
-        <p:txBody>
-          <a:bodyPr rtlCol="0" anchor="ctr"/>
-          <a:lstStyle/>
-          <a:p>
-            <a:pPr algn="ctr"/>
-            <a:endParaRPr lang="en-US"/>
-          </a:p>
-        </p:txBody>
-      </p:sp>
-      <p:sp>
-        <p:nvSpPr>
-          <p:cNvPr id="5" name="ZoneTexte 4">
-            <a:extLst>
-              <a:ext uri="{FF2B5EF4-FFF2-40B4-BE49-F238E27FC236}">
-                <a16:creationId xmlns:a16="http://schemas.microsoft.com/office/drawing/2014/main" id="{D1230D0B-5AA3-4D3A-9714-68BB9A241AAE}"/>
-              </a:ext>
-            </a:extLst>
-          </p:cNvPr>
-          <p:cNvSpPr txBox="1"/>
-          <p:nvPr/>
-        </p:nvSpPr>
-        <p:spPr>
-          <a:xfrm>
-            <a:off x="125868" y="1350371"/>
-            <a:ext cx="2335465" cy="369332"/>
-          </a:xfrm>
-          <a:prstGeom prst="rect">
-            <a:avLst/>
-          </a:prstGeom>
-          <a:solidFill>
-            <a:schemeClr val="bg1"/>
-          </a:solidFill>
-        </p:spPr>
-        <p:txBody>
-          <a:bodyPr wrap="square" rtlCol="0">
-            <a:spAutoFit/>
-          </a:bodyPr>
-          <a:lstStyle/>
-          <a:p>
-            <a:r>
-              <a:rPr lang="en-US" dirty="0" err="1"/>
-              <a:t>Rechercher</a:t>
-            </a:r>
-            <a:r>
-              <a:rPr lang="en-US" dirty="0"/>
-              <a:t> un DPEF…</a:t>
-            </a:r>
-          </a:p>
-        </p:txBody>
-      </p:sp>
-      <p:sp>
-        <p:nvSpPr>
           <p:cNvPr id="7" name="ZoneTexte 6">
             <a:extLst>
               <a:ext uri="{FF2B5EF4-FFF2-40B4-BE49-F238E27FC236}">
@@ -4360,14 +4378,9 @@
           <a:lstStyle/>
           <a:p>
             <a:r>
-              <a:rPr lang="en-US" dirty="0"/>
-              <a:t>Domaine: </a:t>
-            </a:r>
-            <a:r>
-              <a:rPr lang="en-US" dirty="0" err="1"/>
-              <a:t>Energie</a:t>
-            </a:r>
-            <a:endParaRPr lang="en-US" dirty="0"/>
+              <a:rPr lang="fr-FR" dirty="0"/>
+              <a:t>Domaine: Energie</a:t>
+            </a:r>
           </a:p>
         </p:txBody>
       </p:sp>
@@ -4400,13 +4413,8 @@
           <a:p>
             <a:r>
               <a:rPr lang="en-US" sz="2400" dirty="0"/>
-              <a:t>ENGAGEMENTS: 3 engagements </a:t>
-            </a:r>
-            <a:r>
-              <a:rPr lang="en-US" sz="2400" dirty="0" err="1"/>
-              <a:t>identifiés</a:t>
-            </a:r>
-            <a:endParaRPr lang="en-US" sz="2400" dirty="0"/>
+              <a:t>ENGAGEMENTS: 3 engagements identifies</a:t>
+            </a:r>
           </a:p>
         </p:txBody>
       </p:sp>
@@ -4506,14 +4514,14 @@
           <p:nvPr>
             <p:extLst>
               <p:ext uri="{D42A27DB-BD31-4B8C-83A1-F6EECF244321}">
-                <p14:modId xmlns:p14="http://schemas.microsoft.com/office/powerpoint/2010/main" val="850034489"/>
+                <p14:modId xmlns:p14="http://schemas.microsoft.com/office/powerpoint/2010/main" val="3049503983"/>
               </p:ext>
             </p:extLst>
           </p:nvPr>
         </p:nvGraphicFramePr>
         <p:xfrm>
-          <a:off x="2892554" y="3312037"/>
-          <a:ext cx="8128000" cy="3119120"/>
+          <a:off x="2765194" y="3220001"/>
+          <a:ext cx="9133710" cy="3114040"/>
         </p:xfrm>
         <a:graphic>
           <a:graphicData uri="http://schemas.openxmlformats.org/drawingml/2006/table">
@@ -4522,31 +4530,38 @@
                 <a:tableStyleId>{5C22544A-7EE6-4342-B048-85BDC9FD1C3A}</a:tableStyleId>
               </a:tblPr>
               <a:tblGrid>
-                <a:gridCol w="2032000">
+                <a:gridCol w="3793868">
                   <a:extLst>
                     <a:ext uri="{9D8B030D-6E8A-4147-A177-3AD203B41FA5}">
                       <a16:colId xmlns:a16="http://schemas.microsoft.com/office/drawing/2014/main" val="478452738"/>
                     </a:ext>
                   </a:extLst>
                 </a:gridCol>
-                <a:gridCol w="2032000">
+                <a:gridCol w="254976">
                   <a:extLst>
                     <a:ext uri="{9D8B030D-6E8A-4147-A177-3AD203B41FA5}">
                       <a16:colId xmlns:a16="http://schemas.microsoft.com/office/drawing/2014/main" val="3783294424"/>
                     </a:ext>
                   </a:extLst>
                 </a:gridCol>
-                <a:gridCol w="2032000">
+                <a:gridCol w="949570">
                   <a:extLst>
                     <a:ext uri="{9D8B030D-6E8A-4147-A177-3AD203B41FA5}">
                       <a16:colId xmlns:a16="http://schemas.microsoft.com/office/drawing/2014/main" val="2097802740"/>
                     </a:ext>
                   </a:extLst>
                 </a:gridCol>
-                <a:gridCol w="2032000">
+                <a:gridCol w="1830220">
                   <a:extLst>
                     <a:ext uri="{9D8B030D-6E8A-4147-A177-3AD203B41FA5}">
                       <a16:colId xmlns:a16="http://schemas.microsoft.com/office/drawing/2014/main" val="351878843"/>
+                    </a:ext>
+                  </a:extLst>
+                </a:gridCol>
+                <a:gridCol w="2305076">
+                  <a:extLst>
+                    <a:ext uri="{9D8B030D-6E8A-4147-A177-3AD203B41FA5}">
+                      <a16:colId xmlns:a16="http://schemas.microsoft.com/office/drawing/2014/main" val="2934598983"/>
                     </a:ext>
                   </a:extLst>
                 </a:gridCol>
@@ -4594,8 +4609,21 @@
                     <a:lstStyle/>
                     <a:p>
                       <a:r>
-                        <a:rPr lang="fr-FR" noProof="0"/>
+                        <a:rPr lang="fr-FR" noProof="0" dirty="0"/>
                         <a:t>Référence:</a:t>
+                      </a:r>
+                    </a:p>
+                  </a:txBody>
+                  <a:tcPr/>
+                </a:tc>
+                <a:tc>
+                  <a:txBody>
+                    <a:bodyPr/>
+                    <a:lstStyle/>
+                    <a:p>
+                      <a:r>
+                        <a:rPr lang="fr-FR" noProof="0" dirty="0"/>
+                        <a:t>Niveau d’engagement</a:t>
                       </a:r>
                     </a:p>
                   </a:txBody>
@@ -4614,7 +4642,7 @@
                     <a:lstStyle/>
                     <a:p>
                       <a:r>
-                        <a:rPr lang="fr-FR" noProof="0"/>
+                        <a:rPr lang="fr-FR" noProof="0" dirty="0"/>
                         <a:t>“Total s’engage à réduire son impact XX de 30% d’ici 2025”</a:t>
                       </a:r>
                     </a:p>
@@ -4650,8 +4678,21 @@
                     <a:lstStyle/>
                     <a:p>
                       <a:r>
-                        <a:rPr lang="fr-FR" noProof="0"/>
+                        <a:rPr lang="fr-FR" noProof="0" dirty="0"/>
                         <a:t>Page 62, paragraphe 3</a:t>
+                      </a:r>
+                    </a:p>
+                  </a:txBody>
+                  <a:tcPr/>
+                </a:tc>
+                <a:tc>
+                  <a:txBody>
+                    <a:bodyPr/>
+                    <a:lstStyle/>
+                    <a:p>
+                      <a:r>
+                        <a:rPr lang="fr-FR" noProof="0" dirty="0"/>
+                        <a:t>1</a:t>
                       </a:r>
                     </a:p>
                   </a:txBody>
@@ -4670,8 +4711,16 @@
                     <a:lstStyle/>
                     <a:p>
                       <a:r>
-                        <a:rPr lang="fr-FR" noProof="0"/>
-                        <a:t>“Total se met au défit d’atteindre un équilibre carbon sous 10 ans“</a:t>
+                        <a:rPr lang="fr-FR" noProof="0" dirty="0"/>
+                        <a:t>“Total se met au défit d’atteindre un équilibre </a:t>
+                      </a:r>
+                      <a:r>
+                        <a:rPr lang="fr-FR" noProof="0" dirty="0" err="1"/>
+                        <a:t>carbon</a:t>
+                      </a:r>
+                      <a:r>
+                        <a:rPr lang="fr-FR" noProof="0" dirty="0"/>
+                        <a:t> sous 10 ans“</a:t>
                       </a:r>
                     </a:p>
                   </a:txBody>
@@ -4694,7 +4743,7 @@
                     <a:p>
                       <a:r>
                         <a:rPr lang="fr-FR" noProof="0" dirty="0"/>
-                        <a:t>2018</a:t>
+                        <a:t>2028</a:t>
                       </a:r>
                     </a:p>
                   </a:txBody>
@@ -4705,7 +4754,43 @@
                     <a:bodyPr/>
                     <a:lstStyle/>
                     <a:p>
-                      <a:endParaRPr lang="fr-FR" noProof="0"/>
+                      <a:pPr marL="0" marR="0" lvl="0" indent="0" algn="l" defTabSz="914400" rtl="0" eaLnBrk="1" fontAlgn="auto" latinLnBrk="0" hangingPunct="1">
+                        <a:lnSpc>
+                          <a:spcPct val="100000"/>
+                        </a:lnSpc>
+                        <a:spcBef>
+                          <a:spcPts val="0"/>
+                        </a:spcBef>
+                        <a:spcAft>
+                          <a:spcPts val="0"/>
+                        </a:spcAft>
+                        <a:buClrTx/>
+                        <a:buSzTx/>
+                        <a:buFontTx/>
+                        <a:buNone/>
+                        <a:tabLst/>
+                        <a:defRPr/>
+                      </a:pPr>
+                      <a:r>
+                        <a:rPr lang="fr-FR" noProof="0" dirty="0"/>
+                        <a:t>Page 66, paragraphe 2</a:t>
+                      </a:r>
+                    </a:p>
+                    <a:p>
+                      <a:endParaRPr lang="fr-FR" noProof="0" dirty="0"/>
+                    </a:p>
+                  </a:txBody>
+                  <a:tcPr/>
+                </a:tc>
+                <a:tc>
+                  <a:txBody>
+                    <a:bodyPr/>
+                    <a:lstStyle/>
+                    <a:p>
+                      <a:r>
+                        <a:rPr lang="fr-FR" noProof="0" dirty="0"/>
+                        <a:t>1</a:t>
+                      </a:r>
                     </a:p>
                   </a:txBody>
                   <a:tcPr/>
@@ -4722,7 +4807,10 @@
                     <a:bodyPr/>
                     <a:lstStyle/>
                     <a:p>
-                      <a:endParaRPr lang="fr-FR" noProof="0" dirty="0"/>
+                      <a:r>
+                        <a:rPr lang="fr-FR" noProof="0" dirty="0"/>
+                        <a:t>« Signataire du Global Compact dès 2003, [Total] s’est engagé à soutenir et promouvoir le respect des droits humains dans sa sphère d’influence  »</a:t>
+                      </a:r>
                     </a:p>
                   </a:txBody>
                   <a:tcPr/>
@@ -4742,7 +4830,553 @@
                     <a:bodyPr/>
                     <a:lstStyle/>
                     <a:p>
-                      <a:endParaRPr lang="fr-FR" noProof="0"/>
+                      <a:r>
+                        <a:rPr lang="fr-FR" noProof="0" dirty="0"/>
+                        <a:t>2003 (passé)</a:t>
+                      </a:r>
+                    </a:p>
+                  </a:txBody>
+                  <a:tcPr/>
+                </a:tc>
+                <a:tc>
+                  <a:txBody>
+                    <a:bodyPr/>
+                    <a:lstStyle/>
+                    <a:p>
+                      <a:pPr marL="0" marR="0" lvl="0" indent="0" algn="l" defTabSz="914400" rtl="0" eaLnBrk="1" fontAlgn="auto" latinLnBrk="0" hangingPunct="1">
+                        <a:lnSpc>
+                          <a:spcPct val="100000"/>
+                        </a:lnSpc>
+                        <a:spcBef>
+                          <a:spcPts val="0"/>
+                        </a:spcBef>
+                        <a:spcAft>
+                          <a:spcPts val="0"/>
+                        </a:spcAft>
+                        <a:buClrTx/>
+                        <a:buSzTx/>
+                        <a:buFontTx/>
+                        <a:buNone/>
+                        <a:tabLst/>
+                        <a:defRPr/>
+                      </a:pPr>
+                      <a:r>
+                        <a:rPr lang="fr-FR" noProof="0" dirty="0"/>
+                        <a:t>Page 156, paragraphe 1</a:t>
+                      </a:r>
+                    </a:p>
+                  </a:txBody>
+                  <a:tcPr/>
+                </a:tc>
+                <a:tc>
+                  <a:txBody>
+                    <a:bodyPr/>
+                    <a:lstStyle/>
+                    <a:p>
+                      <a:r>
+                        <a:rPr lang="fr-FR" noProof="0" dirty="0"/>
+                        <a:t>3</a:t>
+                      </a:r>
+                    </a:p>
+                  </a:txBody>
+                  <a:tcPr/>
+                </a:tc>
+                <a:extLst>
+                  <a:ext uri="{0D108BD9-81ED-4DB2-BD59-A6C34878D82A}">
+                    <a16:rowId xmlns:a16="http://schemas.microsoft.com/office/drawing/2014/main" val="336273067"/>
+                  </a:ext>
+                </a:extLst>
+              </a:tr>
+            </a:tbl>
+          </a:graphicData>
+        </a:graphic>
+      </p:graphicFrame>
+      <p:sp>
+        <p:nvSpPr>
+          <p:cNvPr id="16" name="Rectangle 15">
+            <a:extLst>
+              <a:ext uri="{FF2B5EF4-FFF2-40B4-BE49-F238E27FC236}">
+                <a16:creationId xmlns:a16="http://schemas.microsoft.com/office/drawing/2014/main" id="{EA383967-0E2A-443D-AE7C-86662AA20432}"/>
+              </a:ext>
+            </a:extLst>
+          </p:cNvPr>
+          <p:cNvSpPr/>
+          <p:nvPr/>
+        </p:nvSpPr>
+        <p:spPr>
+          <a:xfrm>
+            <a:off x="77763" y="1190114"/>
+            <a:ext cx="2392837" cy="2400693"/>
+          </a:xfrm>
+          <a:prstGeom prst="rect">
+            <a:avLst/>
+          </a:prstGeom>
+          <a:solidFill>
+            <a:schemeClr val="bg1">
+              <a:lumMod val="85000"/>
+            </a:schemeClr>
+          </a:solidFill>
+        </p:spPr>
+        <p:style>
+          <a:lnRef idx="2">
+            <a:schemeClr val="accent1">
+              <a:shade val="50000"/>
+            </a:schemeClr>
+          </a:lnRef>
+          <a:fillRef idx="1">
+            <a:schemeClr val="accent1"/>
+          </a:fillRef>
+          <a:effectRef idx="0">
+            <a:schemeClr val="accent1"/>
+          </a:effectRef>
+          <a:fontRef idx="minor">
+            <a:schemeClr val="lt1"/>
+          </a:fontRef>
+        </p:style>
+        <p:txBody>
+          <a:bodyPr rtlCol="0" anchor="ctr"/>
+          <a:lstStyle/>
+          <a:p>
+            <a:pPr algn="ctr"/>
+            <a:endParaRPr lang="en-US"/>
+          </a:p>
+        </p:txBody>
+      </p:sp>
+      <p:sp>
+        <p:nvSpPr>
+          <p:cNvPr id="17" name="ZoneTexte 16">
+            <a:extLst>
+              <a:ext uri="{FF2B5EF4-FFF2-40B4-BE49-F238E27FC236}">
+                <a16:creationId xmlns:a16="http://schemas.microsoft.com/office/drawing/2014/main" id="{8465C26D-A4B6-47AD-A868-56D4B76FD105}"/>
+              </a:ext>
+            </a:extLst>
+          </p:cNvPr>
+          <p:cNvSpPr txBox="1"/>
+          <p:nvPr/>
+        </p:nvSpPr>
+        <p:spPr>
+          <a:xfrm>
+            <a:off x="125868" y="1350371"/>
+            <a:ext cx="2335465" cy="369332"/>
+          </a:xfrm>
+          <a:prstGeom prst="rect">
+            <a:avLst/>
+          </a:prstGeom>
+          <a:solidFill>
+            <a:schemeClr val="bg1"/>
+          </a:solidFill>
+        </p:spPr>
+        <p:txBody>
+          <a:bodyPr wrap="square" rtlCol="0">
+            <a:spAutoFit/>
+          </a:bodyPr>
+          <a:lstStyle/>
+          <a:p>
+            <a:r>
+              <a:rPr lang="en-US" dirty="0" err="1"/>
+              <a:t>Rechercher</a:t>
+            </a:r>
+            <a:r>
+              <a:rPr lang="en-US" dirty="0"/>
+              <a:t> </a:t>
+            </a:r>
+            <a:r>
+              <a:rPr lang="en-US" dirty="0" err="1"/>
+              <a:t>une</a:t>
+            </a:r>
+            <a:r>
+              <a:rPr lang="en-US" dirty="0"/>
+              <a:t> DPEF…</a:t>
+            </a:r>
+          </a:p>
+        </p:txBody>
+      </p:sp>
+      <p:sp>
+        <p:nvSpPr>
+          <p:cNvPr id="20" name="Rectangle 19">
+            <a:extLst>
+              <a:ext uri="{FF2B5EF4-FFF2-40B4-BE49-F238E27FC236}">
+                <a16:creationId xmlns:a16="http://schemas.microsoft.com/office/drawing/2014/main" id="{F46BD5B6-A643-4B2D-956A-AD3DDB1A1D60}"/>
+              </a:ext>
+            </a:extLst>
+          </p:cNvPr>
+          <p:cNvSpPr/>
+          <p:nvPr/>
+        </p:nvSpPr>
+        <p:spPr>
+          <a:xfrm>
+            <a:off x="125868" y="322446"/>
+            <a:ext cx="1686231" cy="369332"/>
+          </a:xfrm>
+          <a:prstGeom prst="rect">
+            <a:avLst/>
+          </a:prstGeom>
+          <a:solidFill>
+            <a:schemeClr val="bg1"/>
+          </a:solidFill>
+        </p:spPr>
+        <p:txBody>
+          <a:bodyPr wrap="square" rtlCol="0">
+            <a:spAutoFit/>
+          </a:bodyPr>
+          <a:lstStyle/>
+          <a:p>
+            <a:r>
+              <a:rPr lang="en-US" dirty="0" err="1"/>
+              <a:t>Accueil</a:t>
+            </a:r>
+            <a:endParaRPr lang="en-US" dirty="0"/>
+          </a:p>
+        </p:txBody>
+      </p:sp>
+      <p:sp>
+        <p:nvSpPr>
+          <p:cNvPr id="21" name="Rectangle 20">
+            <a:extLst>
+              <a:ext uri="{FF2B5EF4-FFF2-40B4-BE49-F238E27FC236}">
+                <a16:creationId xmlns:a16="http://schemas.microsoft.com/office/drawing/2014/main" id="{A12AC50B-5280-4450-8287-B15B24E8B836}"/>
+              </a:ext>
+            </a:extLst>
+          </p:cNvPr>
+          <p:cNvSpPr/>
+          <p:nvPr/>
+        </p:nvSpPr>
+        <p:spPr>
+          <a:xfrm>
+            <a:off x="81256" y="3751064"/>
+            <a:ext cx="2389344" cy="369332"/>
+          </a:xfrm>
+          <a:prstGeom prst="rect">
+            <a:avLst/>
+          </a:prstGeom>
+          <a:solidFill>
+            <a:schemeClr val="bg1"/>
+          </a:solidFill>
+        </p:spPr>
+        <p:txBody>
+          <a:bodyPr wrap="square" rtlCol="0">
+            <a:spAutoFit/>
+          </a:bodyPr>
+          <a:lstStyle/>
+          <a:p>
+            <a:r>
+              <a:rPr lang="en-US" dirty="0" err="1"/>
+              <a:t>Interroger</a:t>
+            </a:r>
+            <a:r>
+              <a:rPr lang="en-US" dirty="0"/>
+              <a:t> les DPEF</a:t>
+            </a:r>
+          </a:p>
+        </p:txBody>
+      </p:sp>
+      <p:sp>
+        <p:nvSpPr>
+          <p:cNvPr id="22" name="Rectangle 21">
+            <a:extLst>
+              <a:ext uri="{FF2B5EF4-FFF2-40B4-BE49-F238E27FC236}">
+                <a16:creationId xmlns:a16="http://schemas.microsoft.com/office/drawing/2014/main" id="{B583D341-5EB0-4A80-8B84-43529E0F093D}"/>
+              </a:ext>
+            </a:extLst>
+          </p:cNvPr>
+          <p:cNvSpPr/>
+          <p:nvPr/>
+        </p:nvSpPr>
+        <p:spPr>
+          <a:xfrm>
+            <a:off x="77763" y="5712993"/>
+            <a:ext cx="2109625" cy="369332"/>
+          </a:xfrm>
+          <a:prstGeom prst="rect">
+            <a:avLst/>
+          </a:prstGeom>
+          <a:solidFill>
+            <a:schemeClr val="bg1"/>
+          </a:solidFill>
+        </p:spPr>
+        <p:txBody>
+          <a:bodyPr wrap="square" rtlCol="0">
+            <a:spAutoFit/>
+          </a:bodyPr>
+          <a:lstStyle/>
+          <a:p>
+            <a:r>
+              <a:rPr lang="en-US" dirty="0" err="1"/>
+              <a:t>Téléchargements</a:t>
+            </a:r>
+            <a:endParaRPr lang="en-US" dirty="0"/>
+          </a:p>
+        </p:txBody>
+      </p:sp>
+      <p:sp>
+        <p:nvSpPr>
+          <p:cNvPr id="24" name="Rectangle 23">
+            <a:extLst>
+              <a:ext uri="{FF2B5EF4-FFF2-40B4-BE49-F238E27FC236}">
+                <a16:creationId xmlns:a16="http://schemas.microsoft.com/office/drawing/2014/main" id="{983E270C-F9A6-4603-B22B-55DA9DFFF84A}"/>
+              </a:ext>
+            </a:extLst>
+          </p:cNvPr>
+          <p:cNvSpPr/>
+          <p:nvPr/>
+        </p:nvSpPr>
+        <p:spPr>
+          <a:xfrm>
+            <a:off x="77763" y="6196263"/>
+            <a:ext cx="2109625" cy="369332"/>
+          </a:xfrm>
+          <a:prstGeom prst="rect">
+            <a:avLst/>
+          </a:prstGeom>
+          <a:solidFill>
+            <a:schemeClr val="bg1"/>
+          </a:solidFill>
+        </p:spPr>
+        <p:txBody>
+          <a:bodyPr wrap="square" rtlCol="0">
+            <a:spAutoFit/>
+          </a:bodyPr>
+          <a:lstStyle/>
+          <a:p>
+            <a:r>
+              <a:rPr lang="en-US" dirty="0" err="1"/>
+              <a:t>Méthodes</a:t>
+            </a:r>
+            <a:endParaRPr lang="en-US" dirty="0"/>
+          </a:p>
+        </p:txBody>
+      </p:sp>
+      <p:sp>
+        <p:nvSpPr>
+          <p:cNvPr id="28" name="Flèche : chevron 27">
+            <a:extLst>
+              <a:ext uri="{FF2B5EF4-FFF2-40B4-BE49-F238E27FC236}">
+                <a16:creationId xmlns:a16="http://schemas.microsoft.com/office/drawing/2014/main" id="{6DCEDCC4-1CA0-4500-B2BD-BEA0978152D2}"/>
+              </a:ext>
+            </a:extLst>
+          </p:cNvPr>
+          <p:cNvSpPr/>
+          <p:nvPr/>
+        </p:nvSpPr>
+        <p:spPr>
+          <a:xfrm>
+            <a:off x="35963" y="1227500"/>
+            <a:ext cx="125868" cy="521153"/>
+          </a:xfrm>
+          <a:prstGeom prst="chevron">
+            <a:avLst/>
+          </a:prstGeom>
+          <a:solidFill>
+            <a:srgbClr val="FF0000"/>
+          </a:solidFill>
+          <a:ln>
+            <a:noFill/>
+          </a:ln>
+        </p:spPr>
+        <p:style>
+          <a:lnRef idx="2">
+            <a:schemeClr val="accent1">
+              <a:shade val="50000"/>
+            </a:schemeClr>
+          </a:lnRef>
+          <a:fillRef idx="1">
+            <a:schemeClr val="accent1"/>
+          </a:fillRef>
+          <a:effectRef idx="0">
+            <a:schemeClr val="accent1"/>
+          </a:effectRef>
+          <a:fontRef idx="minor">
+            <a:schemeClr val="lt1"/>
+          </a:fontRef>
+        </p:style>
+        <p:txBody>
+          <a:bodyPr rtlCol="0" anchor="ctr"/>
+          <a:lstStyle/>
+          <a:p>
+            <a:pPr algn="ctr"/>
+            <a:endParaRPr lang="en-US">
+              <a:solidFill>
+                <a:schemeClr val="tx1"/>
+              </a:solidFill>
+            </a:endParaRPr>
+          </a:p>
+        </p:txBody>
+      </p:sp>
+    </p:spTree>
+    <p:extLst>
+      <p:ext uri="{BB962C8B-B14F-4D97-AF65-F5344CB8AC3E}">
+        <p14:creationId xmlns:p14="http://schemas.microsoft.com/office/powerpoint/2010/main" val="3895056007"/>
+      </p:ext>
+    </p:extLst>
+  </p:cSld>
+  <p:clrMapOvr>
+    <a:masterClrMapping/>
+  </p:clrMapOvr>
+</p:sld>
+</file>
+
+<file path=ppt/slides/slide3.xml><?xml version="1.0" encoding="utf-8"?>
+<p:sld xmlns:a="http://schemas.openxmlformats.org/drawingml/2006/main" xmlns:r="http://schemas.openxmlformats.org/officeDocument/2006/relationships" xmlns:p="http://schemas.openxmlformats.org/presentationml/2006/main">
+  <p:cSld>
+    <p:spTree>
+      <p:nvGrpSpPr>
+        <p:cNvPr id="1" name=""/>
+        <p:cNvGrpSpPr/>
+        <p:nvPr/>
+      </p:nvGrpSpPr>
+      <p:grpSpPr>
+        <a:xfrm>
+          <a:off x="0" y="0"/>
+          <a:ext cx="0" cy="0"/>
+          <a:chOff x="0" y="0"/>
+          <a:chExt cx="0" cy="0"/>
+        </a:xfrm>
+      </p:grpSpPr>
+      <p:sp>
+        <p:nvSpPr>
+          <p:cNvPr id="11" name="Rectangle 10">
+            <a:extLst>
+              <a:ext uri="{FF2B5EF4-FFF2-40B4-BE49-F238E27FC236}">
+                <a16:creationId xmlns:a16="http://schemas.microsoft.com/office/drawing/2014/main" id="{B2CC899C-BF13-408D-BEDA-9F4753C0A219}"/>
+              </a:ext>
+            </a:extLst>
+          </p:cNvPr>
+          <p:cNvSpPr/>
+          <p:nvPr/>
+        </p:nvSpPr>
+        <p:spPr>
+          <a:xfrm>
+            <a:off x="2890700" y="460945"/>
+            <a:ext cx="5212709" cy="461665"/>
+          </a:xfrm>
+          <a:prstGeom prst="rect">
+            <a:avLst/>
+          </a:prstGeom>
+        </p:spPr>
+        <p:txBody>
+          <a:bodyPr wrap="none">
+            <a:spAutoFit/>
+          </a:bodyPr>
+          <a:lstStyle/>
+          <a:p>
+            <a:r>
+              <a:rPr lang="en-US" sz="2400" dirty="0" err="1"/>
+              <a:t>Interroger</a:t>
+            </a:r>
+            <a:r>
+              <a:rPr lang="en-US" sz="2400" dirty="0"/>
+              <a:t> les DPEF: </a:t>
+            </a:r>
+            <a:r>
+              <a:rPr lang="en-US" sz="2400" dirty="0" err="1">
+                <a:solidFill>
+                  <a:schemeClr val="bg1">
+                    <a:lumMod val="75000"/>
+                  </a:schemeClr>
+                </a:solidFill>
+              </a:rPr>
+              <a:t>lutter</a:t>
+            </a:r>
+            <a:r>
+              <a:rPr lang="en-US" sz="2400" dirty="0">
+                <a:solidFill>
+                  <a:schemeClr val="bg1">
+                    <a:lumMod val="75000"/>
+                  </a:schemeClr>
+                </a:solidFill>
+              </a:rPr>
+              <a:t> pollution air</a:t>
+            </a:r>
+            <a:r>
+              <a:rPr lang="en-US" sz="2400" dirty="0"/>
+              <a:t>…</a:t>
+            </a:r>
+          </a:p>
+        </p:txBody>
+      </p:sp>
+      <p:graphicFrame>
+        <p:nvGraphicFramePr>
+          <p:cNvPr id="13" name="Tableau 13">
+            <a:extLst>
+              <a:ext uri="{FF2B5EF4-FFF2-40B4-BE49-F238E27FC236}">
+                <a16:creationId xmlns:a16="http://schemas.microsoft.com/office/drawing/2014/main" id="{72011533-2CA7-4F2F-B323-BBA8E50E2005}"/>
+              </a:ext>
+            </a:extLst>
+          </p:cNvPr>
+          <p:cNvGraphicFramePr>
+            <a:graphicFrameLocks noGrp="1"/>
+          </p:cNvGraphicFramePr>
+          <p:nvPr>
+            <p:extLst>
+              <p:ext uri="{D42A27DB-BD31-4B8C-83A1-F6EECF244321}">
+                <p14:modId xmlns:p14="http://schemas.microsoft.com/office/powerpoint/2010/main" val="282801603"/>
+              </p:ext>
+            </p:extLst>
+          </p:nvPr>
+        </p:nvGraphicFramePr>
+        <p:xfrm>
+          <a:off x="2890699" y="1190114"/>
+          <a:ext cx="8835135" cy="5308600"/>
+        </p:xfrm>
+        <a:graphic>
+          <a:graphicData uri="http://schemas.openxmlformats.org/drawingml/2006/table">
+            <a:tbl>
+              <a:tblPr firstRow="1" bandRow="1">
+                <a:tableStyleId>{5C22544A-7EE6-4342-B048-85BDC9FD1C3A}</a:tableStyleId>
+              </a:tblPr>
+              <a:tblGrid>
+                <a:gridCol w="1972763">
+                  <a:extLst>
+                    <a:ext uri="{9D8B030D-6E8A-4147-A177-3AD203B41FA5}">
+                      <a16:colId xmlns:a16="http://schemas.microsoft.com/office/drawing/2014/main" val="1824832380"/>
+                    </a:ext>
+                  </a:extLst>
+                </a:gridCol>
+                <a:gridCol w="4398624">
+                  <a:extLst>
+                    <a:ext uri="{9D8B030D-6E8A-4147-A177-3AD203B41FA5}">
+                      <a16:colId xmlns:a16="http://schemas.microsoft.com/office/drawing/2014/main" val="478452738"/>
+                    </a:ext>
+                  </a:extLst>
+                </a:gridCol>
+                <a:gridCol w="341784">
+                  <a:extLst>
+                    <a:ext uri="{9D8B030D-6E8A-4147-A177-3AD203B41FA5}">
+                      <a16:colId xmlns:a16="http://schemas.microsoft.com/office/drawing/2014/main" val="3783294424"/>
+                    </a:ext>
+                  </a:extLst>
+                </a:gridCol>
+                <a:gridCol w="2121964">
+                  <a:extLst>
+                    <a:ext uri="{9D8B030D-6E8A-4147-A177-3AD203B41FA5}">
+                      <a16:colId xmlns:a16="http://schemas.microsoft.com/office/drawing/2014/main" val="351878843"/>
+                    </a:ext>
+                  </a:extLst>
+                </a:gridCol>
+              </a:tblGrid>
+              <a:tr h="370840">
+                <a:tc>
+                  <a:txBody>
+                    <a:bodyPr/>
+                    <a:lstStyle/>
+                    <a:p>
+                      <a:r>
+                        <a:rPr lang="fr-FR" noProof="0" dirty="0"/>
+                        <a:t>Entreprise</a:t>
+                      </a:r>
+                    </a:p>
+                  </a:txBody>
+                  <a:tcPr/>
+                </a:tc>
+                <a:tc>
+                  <a:txBody>
+                    <a:bodyPr/>
+                    <a:lstStyle/>
+                    <a:p>
+                      <a:r>
+                        <a:rPr lang="fr-FR" noProof="0" dirty="0"/>
+                        <a:t>Match</a:t>
+                      </a:r>
                     </a:p>
                   </a:txBody>
                   <a:tcPr/>
@@ -4757,6 +5391,275 @@
                   </a:txBody>
                   <a:tcPr/>
                 </a:tc>
+                <a:tc>
+                  <a:txBody>
+                    <a:bodyPr/>
+                    <a:lstStyle/>
+                    <a:p>
+                      <a:r>
+                        <a:rPr lang="fr-FR" noProof="0" dirty="0"/>
+                        <a:t>Référence:</a:t>
+                      </a:r>
+                    </a:p>
+                  </a:txBody>
+                  <a:tcPr/>
+                </a:tc>
+                <a:extLst>
+                  <a:ext uri="{0D108BD9-81ED-4DB2-BD59-A6C34878D82A}">
+                    <a16:rowId xmlns:a16="http://schemas.microsoft.com/office/drawing/2014/main" val="1424442975"/>
+                  </a:ext>
+                </a:extLst>
+              </a:tr>
+              <a:tr h="370840">
+                <a:tc>
+                  <a:txBody>
+                    <a:bodyPr/>
+                    <a:lstStyle/>
+                    <a:p>
+                      <a:r>
+                        <a:rPr lang="fr-FR" noProof="0" dirty="0"/>
+                        <a:t>Michelin</a:t>
+                      </a:r>
+                    </a:p>
+                  </a:txBody>
+                  <a:tcPr/>
+                </a:tc>
+                <a:tc>
+                  <a:txBody>
+                    <a:bodyPr/>
+                    <a:lstStyle/>
+                    <a:p>
+                      <a:r>
+                        <a:rPr lang="fr-FR" noProof="0" dirty="0"/>
+                        <a:t>“Risques de pollution de l’air, des sols et de l’eau Michelin a pris pleinement la mesure des enjeux et des risques issus des rejets dans les sols”</a:t>
+                      </a:r>
+                    </a:p>
+                  </a:txBody>
+                  <a:tcPr/>
+                </a:tc>
+                <a:tc>
+                  <a:txBody>
+                    <a:bodyPr/>
+                    <a:lstStyle/>
+                    <a:p>
+                      <a:endParaRPr lang="fr-FR" noProof="0" dirty="0"/>
+                    </a:p>
+                  </a:txBody>
+                  <a:tcPr/>
+                </a:tc>
+                <a:tc>
+                  <a:txBody>
+                    <a:bodyPr/>
+                    <a:lstStyle/>
+                    <a:p>
+                      <a:r>
+                        <a:rPr lang="fr-FR" noProof="0" dirty="0"/>
+                        <a:t>Page 62, paragraphe 3</a:t>
+                      </a:r>
+                    </a:p>
+                  </a:txBody>
+                  <a:tcPr/>
+                </a:tc>
+                <a:extLst>
+                  <a:ext uri="{0D108BD9-81ED-4DB2-BD59-A6C34878D82A}">
+                    <a16:rowId xmlns:a16="http://schemas.microsoft.com/office/drawing/2014/main" val="672684988"/>
+                  </a:ext>
+                </a:extLst>
+              </a:tr>
+              <a:tr h="370840">
+                <a:tc>
+                  <a:txBody>
+                    <a:bodyPr/>
+                    <a:lstStyle/>
+                    <a:p>
+                      <a:r>
+                        <a:rPr lang="en-US" sz="1800" b="0" i="0" kern="1200" dirty="0" err="1">
+                          <a:solidFill>
+                            <a:schemeClr val="dk1"/>
+                          </a:solidFill>
+                          <a:effectLst/>
+                          <a:latin typeface="+mn-lt"/>
+                          <a:ea typeface="+mn-ea"/>
+                          <a:cs typeface="+mn-cs"/>
+                        </a:rPr>
+                        <a:t>Auchen</a:t>
+                      </a:r>
+                      <a:r>
+                        <a:rPr lang="en-US" sz="1800" b="0" i="0" kern="1200" dirty="0">
+                          <a:solidFill>
+                            <a:schemeClr val="dk1"/>
+                          </a:solidFill>
+                          <a:effectLst/>
+                          <a:latin typeface="+mn-lt"/>
+                          <a:ea typeface="+mn-ea"/>
+                          <a:cs typeface="+mn-cs"/>
+                        </a:rPr>
+                        <a:t> Holding</a:t>
+                      </a:r>
+                      <a:endParaRPr lang="fr-FR" noProof="0" dirty="0"/>
+                    </a:p>
+                  </a:txBody>
+                  <a:tcPr/>
+                </a:tc>
+                <a:tc>
+                  <a:txBody>
+                    <a:bodyPr/>
+                    <a:lstStyle/>
+                    <a:p>
+                      <a:r>
+                        <a:rPr lang="fr-FR" noProof="0" dirty="0"/>
+                        <a:t>“</a:t>
+                      </a:r>
+                      <a:r>
+                        <a:rPr lang="fr-FR" sz="1800" b="0" i="0" kern="1200" dirty="0">
+                          <a:solidFill>
+                            <a:schemeClr val="dk1"/>
+                          </a:solidFill>
+                          <a:effectLst/>
+                          <a:latin typeface="+mn-lt"/>
+                          <a:ea typeface="+mn-ea"/>
+                          <a:cs typeface="+mn-cs"/>
+                        </a:rPr>
+                        <a:t>Réduire au maximum le risque de pollution lié à l’exploitation des sites Sur les magasins, les principaux risques de pollution de l’environnement sont liés aux fuites de fluides frigorigènes pour la pollution atmosphérique ainsi qu’à stations-service pour la pollution des sols et des eaux.</a:t>
+                      </a:r>
+                      <a:r>
+                        <a:rPr lang="fr-FR" noProof="0" dirty="0"/>
+                        <a:t>“</a:t>
+                      </a:r>
+                    </a:p>
+                  </a:txBody>
+                  <a:tcPr/>
+                </a:tc>
+                <a:tc>
+                  <a:txBody>
+                    <a:bodyPr/>
+                    <a:lstStyle/>
+                    <a:p>
+                      <a:endParaRPr lang="fr-FR" noProof="0"/>
+                    </a:p>
+                  </a:txBody>
+                  <a:tcPr/>
+                </a:tc>
+                <a:tc>
+                  <a:txBody>
+                    <a:bodyPr/>
+                    <a:lstStyle/>
+                    <a:p>
+                      <a:pPr marL="0" marR="0" lvl="0" indent="0" algn="l" defTabSz="914400" rtl="0" eaLnBrk="1" fontAlgn="auto" latinLnBrk="0" hangingPunct="1">
+                        <a:lnSpc>
+                          <a:spcPct val="100000"/>
+                        </a:lnSpc>
+                        <a:spcBef>
+                          <a:spcPts val="0"/>
+                        </a:spcBef>
+                        <a:spcAft>
+                          <a:spcPts val="0"/>
+                        </a:spcAft>
+                        <a:buClrTx/>
+                        <a:buSzTx/>
+                        <a:buFontTx/>
+                        <a:buNone/>
+                        <a:tabLst/>
+                        <a:defRPr/>
+                      </a:pPr>
+                      <a:r>
+                        <a:rPr lang="fr-FR" noProof="0" dirty="0"/>
+                        <a:t>Page 66, paragraphe 2</a:t>
+                      </a:r>
+                    </a:p>
+                    <a:p>
+                      <a:endParaRPr lang="fr-FR" noProof="0" dirty="0"/>
+                    </a:p>
+                  </a:txBody>
+                  <a:tcPr/>
+                </a:tc>
+                <a:extLst>
+                  <a:ext uri="{0D108BD9-81ED-4DB2-BD59-A6C34878D82A}">
+                    <a16:rowId xmlns:a16="http://schemas.microsoft.com/office/drawing/2014/main" val="2350062373"/>
+                  </a:ext>
+                </a:extLst>
+              </a:tr>
+              <a:tr h="370840">
+                <a:tc>
+                  <a:txBody>
+                    <a:bodyPr/>
+                    <a:lstStyle/>
+                    <a:p>
+                      <a:r>
+                        <a:rPr lang="fr-FR" noProof="0" dirty="0"/>
+                        <a:t>Michelin</a:t>
+                      </a:r>
+                    </a:p>
+                  </a:txBody>
+                  <a:tcPr/>
+                </a:tc>
+                <a:tc>
+                  <a:txBody>
+                    <a:bodyPr/>
+                    <a:lstStyle/>
+                    <a:p>
+                      <a:pPr algn="l" fontAlgn="ctr"/>
+                      <a:r>
+                        <a:rPr lang="fr-FR" noProof="0" dirty="0"/>
+                        <a:t>“</a:t>
+                      </a:r>
+                      <a:r>
+                        <a:rPr lang="fr-FR" dirty="0">
+                          <a:effectLst/>
+                        </a:rPr>
+                        <a:t>Les principaux facteurs de risque associés au processus de fabrication des pneumatiques sont la consommation de ressources (énergie, eau), la pollution des sols, de l’eau et de l’air, les émissions de gaz à effet de serre et la gestion des déchets.</a:t>
+                      </a:r>
+                      <a:r>
+                        <a:rPr lang="fr-FR" noProof="0" dirty="0"/>
+                        <a:t> “</a:t>
+                      </a:r>
+                      <a:endParaRPr lang="fr-FR" dirty="0">
+                        <a:effectLst/>
+                      </a:endParaRPr>
+                    </a:p>
+                  </a:txBody>
+                  <a:tcPr anchor="ctr"/>
+                </a:tc>
+                <a:tc>
+                  <a:txBody>
+                    <a:bodyPr/>
+                    <a:lstStyle/>
+                    <a:p>
+                      <a:endParaRPr lang="fr-FR" noProof="0"/>
+                    </a:p>
+                  </a:txBody>
+                  <a:tcPr/>
+                </a:tc>
+                <a:tc>
+                  <a:txBody>
+                    <a:bodyPr/>
+                    <a:lstStyle/>
+                    <a:p>
+                      <a:pPr marL="0" marR="0" lvl="0" indent="0" algn="l" defTabSz="914400" rtl="0" eaLnBrk="1" fontAlgn="auto" latinLnBrk="0" hangingPunct="1">
+                        <a:lnSpc>
+                          <a:spcPct val="100000"/>
+                        </a:lnSpc>
+                        <a:spcBef>
+                          <a:spcPts val="0"/>
+                        </a:spcBef>
+                        <a:spcAft>
+                          <a:spcPts val="0"/>
+                        </a:spcAft>
+                        <a:buClrTx/>
+                        <a:buSzTx/>
+                        <a:buFontTx/>
+                        <a:buNone/>
+                        <a:tabLst/>
+                        <a:defRPr/>
+                      </a:pPr>
+                      <a:r>
+                        <a:rPr lang="fr-FR" noProof="0" dirty="0"/>
+                        <a:t>Page 156, paragraphe 1</a:t>
+                      </a:r>
+                    </a:p>
+                  </a:txBody>
+                  <a:tcPr/>
+                </a:tc>
                 <a:extLst>
                   <a:ext uri="{0D108BD9-81ED-4DB2-BD59-A6C34878D82A}">
                     <a16:rowId xmlns:a16="http://schemas.microsoft.com/office/drawing/2014/main" val="336273067"/>
@@ -4769,10 +5672,10 @@
       </p:graphicFrame>
       <p:sp>
         <p:nvSpPr>
-          <p:cNvPr id="15" name="Rectangle 14">
-            <a:extLst>
-              <a:ext uri="{FF2B5EF4-FFF2-40B4-BE49-F238E27FC236}">
-                <a16:creationId xmlns:a16="http://schemas.microsoft.com/office/drawing/2014/main" id="{65F6EC88-01ED-4DB2-8A70-BC41D981484C}"/>
+          <p:cNvPr id="18" name="Rectangle 17">
+            <a:extLst>
+              <a:ext uri="{FF2B5EF4-FFF2-40B4-BE49-F238E27FC236}">
+                <a16:creationId xmlns:a16="http://schemas.microsoft.com/office/drawing/2014/main" id="{7E66C600-6DCF-4B11-8EFE-4D3554E2A8A4}"/>
               </a:ext>
             </a:extLst>
           </p:cNvPr>
@@ -4781,8 +5684,105 @@
         </p:nvSpPr>
         <p:spPr>
           <a:xfrm>
-            <a:off x="81256" y="4806824"/>
-            <a:ext cx="1686231" cy="369332"/>
+            <a:off x="0" y="0"/>
+            <a:ext cx="2545237" cy="6858000"/>
+          </a:xfrm>
+          <a:prstGeom prst="rect">
+            <a:avLst/>
+          </a:prstGeom>
+        </p:spPr>
+        <p:style>
+          <a:lnRef idx="2">
+            <a:schemeClr val="accent1">
+              <a:shade val="50000"/>
+            </a:schemeClr>
+          </a:lnRef>
+          <a:fillRef idx="1">
+            <a:schemeClr val="accent1"/>
+          </a:fillRef>
+          <a:effectRef idx="0">
+            <a:schemeClr val="accent1"/>
+          </a:effectRef>
+          <a:fontRef idx="minor">
+            <a:schemeClr val="lt1"/>
+          </a:fontRef>
+        </p:style>
+        <p:txBody>
+          <a:bodyPr rtlCol="0" anchor="ctr"/>
+          <a:lstStyle/>
+          <a:p>
+            <a:pPr algn="ctr"/>
+            <a:endParaRPr lang="en-US"/>
+          </a:p>
+        </p:txBody>
+      </p:sp>
+      <p:sp>
+        <p:nvSpPr>
+          <p:cNvPr id="19" name="Rectangle 18">
+            <a:extLst>
+              <a:ext uri="{FF2B5EF4-FFF2-40B4-BE49-F238E27FC236}">
+                <a16:creationId xmlns:a16="http://schemas.microsoft.com/office/drawing/2014/main" id="{50028CA5-792B-4091-B46C-ECF43A8B4DD9}"/>
+              </a:ext>
+            </a:extLst>
+          </p:cNvPr>
+          <p:cNvSpPr/>
+          <p:nvPr/>
+        </p:nvSpPr>
+        <p:spPr>
+          <a:xfrm>
+            <a:off x="77763" y="1190114"/>
+            <a:ext cx="2392837" cy="2400693"/>
+          </a:xfrm>
+          <a:prstGeom prst="rect">
+            <a:avLst/>
+          </a:prstGeom>
+          <a:solidFill>
+            <a:schemeClr val="bg1">
+              <a:lumMod val="85000"/>
+            </a:schemeClr>
+          </a:solidFill>
+        </p:spPr>
+        <p:style>
+          <a:lnRef idx="2">
+            <a:schemeClr val="accent1">
+              <a:shade val="50000"/>
+            </a:schemeClr>
+          </a:lnRef>
+          <a:fillRef idx="1">
+            <a:schemeClr val="accent1"/>
+          </a:fillRef>
+          <a:effectRef idx="0">
+            <a:schemeClr val="accent1"/>
+          </a:effectRef>
+          <a:fontRef idx="minor">
+            <a:schemeClr val="lt1"/>
+          </a:fontRef>
+        </p:style>
+        <p:txBody>
+          <a:bodyPr rtlCol="0" anchor="ctr"/>
+          <a:lstStyle/>
+          <a:p>
+            <a:pPr algn="ctr"/>
+            <a:endParaRPr lang="en-US"/>
+          </a:p>
+        </p:txBody>
+      </p:sp>
+      <p:sp>
+        <p:nvSpPr>
+          <p:cNvPr id="23" name="ZoneTexte 22">
+            <a:extLst>
+              <a:ext uri="{FF2B5EF4-FFF2-40B4-BE49-F238E27FC236}">
+                <a16:creationId xmlns:a16="http://schemas.microsoft.com/office/drawing/2014/main" id="{CFB5996F-81C3-4865-B7FE-5EBB4FD0D8CC}"/>
+              </a:ext>
+            </a:extLst>
+          </p:cNvPr>
+          <p:cNvSpPr txBox="1"/>
+          <p:nvPr/>
+        </p:nvSpPr>
+        <p:spPr>
+          <a:xfrm>
+            <a:off x="125868" y="1350371"/>
+            <a:ext cx="2335465" cy="369332"/>
           </a:xfrm>
           <a:prstGeom prst="rect">
             <a:avLst/>
@@ -4799,18 +5799,29 @@
           <a:p>
             <a:r>
               <a:rPr lang="en-US" dirty="0" err="1"/>
-              <a:t>Téléchargement</a:t>
-            </a:r>
-            <a:endParaRPr lang="en-US" dirty="0"/>
-          </a:p>
-        </p:txBody>
-      </p:sp>
-      <p:sp>
-        <p:nvSpPr>
-          <p:cNvPr id="18" name="Rectangle 17">
-            <a:extLst>
-              <a:ext uri="{FF2B5EF4-FFF2-40B4-BE49-F238E27FC236}">
-                <a16:creationId xmlns:a16="http://schemas.microsoft.com/office/drawing/2014/main" id="{69E71054-CEAC-47B7-B8A6-0A301BF28DE4}"/>
+              <a:t>Rechercher</a:t>
+            </a:r>
+            <a:r>
+              <a:rPr lang="en-US" dirty="0"/>
+              <a:t> </a:t>
+            </a:r>
+            <a:r>
+              <a:rPr lang="en-US" dirty="0" err="1"/>
+              <a:t>une</a:t>
+            </a:r>
+            <a:r>
+              <a:rPr lang="en-US" dirty="0"/>
+              <a:t> DPEF…</a:t>
+            </a:r>
+          </a:p>
+        </p:txBody>
+      </p:sp>
+      <p:sp>
+        <p:nvSpPr>
+          <p:cNvPr id="24" name="Rectangle 23">
+            <a:extLst>
+              <a:ext uri="{FF2B5EF4-FFF2-40B4-BE49-F238E27FC236}">
+                <a16:creationId xmlns:a16="http://schemas.microsoft.com/office/drawing/2014/main" id="{A39CCF84-59CF-457D-969C-0C8C26FC24D3}"/>
               </a:ext>
             </a:extLst>
           </p:cNvPr>
@@ -4845,10 +5856,10 @@
       </p:sp>
       <p:sp>
         <p:nvSpPr>
-          <p:cNvPr id="19" name="Rectangle 18">
-            <a:extLst>
-              <a:ext uri="{FF2B5EF4-FFF2-40B4-BE49-F238E27FC236}">
-                <a16:creationId xmlns:a16="http://schemas.microsoft.com/office/drawing/2014/main" id="{EFB40959-1FA1-4F57-B38C-F1DF1AE37E20}"/>
+          <p:cNvPr id="25" name="Rectangle 24">
+            <a:extLst>
+              <a:ext uri="{FF2B5EF4-FFF2-40B4-BE49-F238E27FC236}">
+                <a16:creationId xmlns:a16="http://schemas.microsoft.com/office/drawing/2014/main" id="{853AC1D0-2A92-43C6-BA36-5F96D7011C2E}"/>
               </a:ext>
             </a:extLst>
           </p:cNvPr>
@@ -4857,8 +5868,8 @@
         </p:nvSpPr>
         <p:spPr>
           <a:xfrm>
-            <a:off x="81256" y="3798847"/>
-            <a:ext cx="1686231" cy="369332"/>
+            <a:off x="81256" y="3751064"/>
+            <a:ext cx="2389344" cy="369332"/>
           </a:xfrm>
           <a:prstGeom prst="rect">
             <a:avLst/>
@@ -4874,16 +5885,152 @@
           <a:lstStyle/>
           <a:p>
             <a:r>
+              <a:rPr lang="en-US" dirty="0" err="1"/>
+              <a:t>Interroger</a:t>
+            </a:r>
+            <a:r>
               <a:rPr lang="en-US" dirty="0"/>
-              <a:t>Par horizon:</a:t>
-            </a:r>
+              <a:t> les DPEF</a:t>
+            </a:r>
+          </a:p>
+        </p:txBody>
+      </p:sp>
+      <p:sp>
+        <p:nvSpPr>
+          <p:cNvPr id="26" name="Rectangle 25">
+            <a:extLst>
+              <a:ext uri="{FF2B5EF4-FFF2-40B4-BE49-F238E27FC236}">
+                <a16:creationId xmlns:a16="http://schemas.microsoft.com/office/drawing/2014/main" id="{4A91E0BF-AE0B-4554-BE35-497667EE9A17}"/>
+              </a:ext>
+            </a:extLst>
+          </p:cNvPr>
+          <p:cNvSpPr/>
+          <p:nvPr/>
+        </p:nvSpPr>
+        <p:spPr>
+          <a:xfrm>
+            <a:off x="77763" y="5712993"/>
+            <a:ext cx="2109625" cy="369332"/>
+          </a:xfrm>
+          <a:prstGeom prst="rect">
+            <a:avLst/>
+          </a:prstGeom>
+          <a:solidFill>
+            <a:schemeClr val="bg1"/>
+          </a:solidFill>
+        </p:spPr>
+        <p:txBody>
+          <a:bodyPr wrap="square" rtlCol="0">
+            <a:spAutoFit/>
+          </a:bodyPr>
+          <a:lstStyle/>
+          <a:p>
+            <a:r>
+              <a:rPr lang="en-US" dirty="0" err="1"/>
+              <a:t>Téléchargements</a:t>
+            </a:r>
+            <a:endParaRPr lang="en-US" dirty="0"/>
+          </a:p>
+        </p:txBody>
+      </p:sp>
+      <p:sp>
+        <p:nvSpPr>
+          <p:cNvPr id="27" name="Rectangle 26">
+            <a:extLst>
+              <a:ext uri="{FF2B5EF4-FFF2-40B4-BE49-F238E27FC236}">
+                <a16:creationId xmlns:a16="http://schemas.microsoft.com/office/drawing/2014/main" id="{2909814C-D9DC-4FFC-AFF0-7381C0EBF276}"/>
+              </a:ext>
+            </a:extLst>
+          </p:cNvPr>
+          <p:cNvSpPr/>
+          <p:nvPr/>
+        </p:nvSpPr>
+        <p:spPr>
+          <a:xfrm>
+            <a:off x="77763" y="6196263"/>
+            <a:ext cx="2109625" cy="369332"/>
+          </a:xfrm>
+          <a:prstGeom prst="rect">
+            <a:avLst/>
+          </a:prstGeom>
+          <a:solidFill>
+            <a:schemeClr val="bg1"/>
+          </a:solidFill>
+        </p:spPr>
+        <p:txBody>
+          <a:bodyPr wrap="square" rtlCol="0">
+            <a:spAutoFit/>
+          </a:bodyPr>
+          <a:lstStyle/>
+          <a:p>
+            <a:r>
+              <a:rPr lang="en-US" dirty="0" err="1"/>
+              <a:t>Méthodes</a:t>
+            </a:r>
+            <a:endParaRPr lang="en-US" dirty="0"/>
+          </a:p>
+        </p:txBody>
+      </p:sp>
+      <p:sp>
+        <p:nvSpPr>
+          <p:cNvPr id="30" name="Flèche : chevron 29">
+            <a:extLst>
+              <a:ext uri="{FF2B5EF4-FFF2-40B4-BE49-F238E27FC236}">
+                <a16:creationId xmlns:a16="http://schemas.microsoft.com/office/drawing/2014/main" id="{D300761D-E7F5-4D81-9211-55243F6D749E}"/>
+              </a:ext>
+            </a:extLst>
+          </p:cNvPr>
+          <p:cNvSpPr/>
+          <p:nvPr/>
+        </p:nvSpPr>
+        <p:spPr>
+          <a:xfrm>
+            <a:off x="0" y="3675153"/>
+            <a:ext cx="125868" cy="521153"/>
+          </a:xfrm>
+          <a:prstGeom prst="chevron">
+            <a:avLst/>
+          </a:prstGeom>
+          <a:solidFill>
+            <a:srgbClr val="FF0000"/>
+          </a:solidFill>
+          <a:ln>
+            <a:noFill/>
+          </a:ln>
+        </p:spPr>
+        <p:style>
+          <a:lnRef idx="2">
+            <a:schemeClr val="accent1">
+              <a:shade val="50000"/>
+            </a:schemeClr>
+          </a:lnRef>
+          <a:fillRef idx="1">
+            <a:schemeClr val="accent1"/>
+          </a:fillRef>
+          <a:effectRef idx="0">
+            <a:schemeClr val="accent1"/>
+          </a:effectRef>
+          <a:fontRef idx="minor">
+            <a:schemeClr val="lt1"/>
+          </a:fontRef>
+        </p:style>
+        <p:txBody>
+          <a:bodyPr rtlCol="0" anchor="ctr"/>
+          <a:lstStyle/>
+          <a:p>
+            <a:pPr algn="ctr"/>
+            <a:endParaRPr lang="en-US">
+              <a:solidFill>
+                <a:schemeClr val="tx1"/>
+              </a:solidFill>
+            </a:endParaRPr>
           </a:p>
         </p:txBody>
       </p:sp>
     </p:spTree>
     <p:extLst>
       <p:ext uri="{BB962C8B-B14F-4D97-AF65-F5344CB8AC3E}">
-        <p14:creationId xmlns:p14="http://schemas.microsoft.com/office/powerpoint/2010/main" val="3895056007"/>
+        <p14:creationId xmlns:p14="http://schemas.microsoft.com/office/powerpoint/2010/main" val="3077224622"/>
       </p:ext>
     </p:extLst>
   </p:cSld>
